--- a/Soutenance/Rapport d’optimisation.pptx
+++ b/Soutenance/Rapport d’optimisation.pptx
@@ -862,7 +862,11 @@
               <a:buSzPts val="1100"/>
               <a:buNone/>
             </a:pPr>
-            <a:endParaRPr/>
+            <a:r>
+              <a:rPr lang="fr-FR" dirty="0"/>
+              <a:t>Bonjour Jeremy Delannoy, je vais aujourd’hui vous présentez le projet 4 « optimisez un site web existant »</a:t>
+            </a:r>
+            <a:endParaRPr dirty="0"/>
           </a:p>
         </p:txBody>
       </p:sp>
@@ -984,7 +988,19 @@
               <a:buSzPts val="1100"/>
               <a:buNone/>
             </a:pPr>
-            <a:endParaRPr/>
+            <a:r>
+              <a:rPr lang="fr-FR" dirty="0"/>
+              <a:t>Correction </a:t>
+            </a:r>
+            <a:r>
+              <a:rPr lang="fr-FR" dirty="0" err="1"/>
+              <a:t>lang</a:t>
+            </a:r>
+            <a:r>
+              <a:rPr lang="fr-FR" dirty="0"/>
+              <a:t> de l’html</a:t>
+            </a:r>
+            <a:endParaRPr dirty="0"/>
           </a:p>
         </p:txBody>
       </p:sp>
@@ -1106,7 +1122,11 @@
               <a:buSzPts val="1100"/>
               <a:buNone/>
             </a:pPr>
-            <a:endParaRPr/>
+            <a:r>
+              <a:rPr lang="fr-FR" dirty="0"/>
+              <a:t>Correction format mobile non adapté</a:t>
+            </a:r>
+            <a:endParaRPr dirty="0"/>
           </a:p>
         </p:txBody>
       </p:sp>
@@ -1233,7 +1253,11 @@
               <a:buSzPts val="1100"/>
               <a:buNone/>
             </a:pPr>
-            <a:endParaRPr/>
+            <a:r>
+              <a:rPr lang="fr-FR" dirty="0"/>
+              <a:t>Correction contraste entre texte et fond</a:t>
+            </a:r>
+            <a:endParaRPr dirty="0"/>
           </a:p>
         </p:txBody>
       </p:sp>
@@ -1360,7 +1384,15 @@
               <a:buSzPts val="1100"/>
               <a:buNone/>
             </a:pPr>
-            <a:endParaRPr/>
+            <a:r>
+              <a:rPr lang="fr-FR" dirty="0"/>
+              <a:t>Correction de </a:t>
+            </a:r>
+            <a:r>
+              <a:rPr lang="fr-FR" dirty="0" err="1"/>
+              <a:t>naviguation</a:t>
+            </a:r>
+            <a:endParaRPr dirty="0"/>
           </a:p>
         </p:txBody>
       </p:sp>
@@ -1487,7 +1519,19 @@
               <a:buSzPts val="1100"/>
               <a:buNone/>
             </a:pPr>
-            <a:endParaRPr/>
+            <a:r>
+              <a:rPr lang="fr-FR" dirty="0"/>
+              <a:t>Correction </a:t>
+            </a:r>
+            <a:r>
+              <a:rPr lang="fr-FR" dirty="0" err="1"/>
+              <a:t>meta</a:t>
+            </a:r>
+            <a:r>
+              <a:rPr lang="fr-FR" dirty="0"/>
+              <a:t> description</a:t>
+            </a:r>
+            <a:endParaRPr dirty="0"/>
           </a:p>
         </p:txBody>
       </p:sp>
@@ -1609,7 +1653,11 @@
               <a:buSzPts val="1100"/>
               <a:buNone/>
             </a:pPr>
-            <a:endParaRPr/>
+            <a:r>
+              <a:rPr lang="fr-FR" dirty="0"/>
+              <a:t>Correction taille police</a:t>
+            </a:r>
+            <a:endParaRPr dirty="0"/>
           </a:p>
         </p:txBody>
       </p:sp>
@@ -1736,7 +1784,11 @@
               <a:buSzPts val="1100"/>
               <a:buNone/>
             </a:pPr>
-            <a:endParaRPr/>
+            <a:r>
+              <a:rPr lang="fr-FR" dirty="0"/>
+              <a:t>Correction ordre des titres</a:t>
+            </a:r>
+            <a:endParaRPr dirty="0"/>
           </a:p>
         </p:txBody>
       </p:sp>
@@ -1858,7 +1910,11 @@
               <a:buSzPts val="1100"/>
               <a:buNone/>
             </a:pPr>
-            <a:endParaRPr/>
+            <a:r>
+              <a:rPr lang="fr-FR" dirty="0"/>
+              <a:t>Correction titre html</a:t>
+            </a:r>
+            <a:endParaRPr dirty="0"/>
           </a:p>
         </p:txBody>
       </p:sp>
@@ -1980,7 +2036,19 @@
               <a:buSzPts val="1100"/>
               <a:buNone/>
             </a:pPr>
-            <a:endParaRPr/>
+            <a:r>
+              <a:rPr lang="fr-FR" dirty="0"/>
+              <a:t>Correction </a:t>
+            </a:r>
+            <a:r>
+              <a:rPr lang="fr-FR" dirty="0" err="1"/>
+              <a:t>meta</a:t>
+            </a:r>
+            <a:r>
+              <a:rPr lang="fr-FR" dirty="0"/>
+              <a:t> keywords supprimer car </a:t>
+            </a:r>
+            <a:endParaRPr dirty="0"/>
           </a:p>
         </p:txBody>
       </p:sp>
@@ -2102,7 +2170,19 @@
               <a:buSzPts val="1100"/>
               <a:buNone/>
             </a:pPr>
-            <a:endParaRPr/>
+            <a:r>
+              <a:rPr lang="fr-FR" dirty="0"/>
+              <a:t>Correction nom des </a:t>
+            </a:r>
+            <a:r>
+              <a:rPr lang="fr-FR" dirty="0" err="1"/>
+              <a:t>fichers</a:t>
+            </a:r>
+            <a:r>
+              <a:rPr lang="fr-FR" dirty="0"/>
+              <a:t> html images</a:t>
+            </a:r>
+            <a:endParaRPr dirty="0"/>
           </a:p>
         </p:txBody>
       </p:sp>
@@ -2229,7 +2309,27 @@
               <a:buSzPts val="1100"/>
               <a:buNone/>
             </a:pPr>
-            <a:endParaRPr/>
+            <a:r>
+              <a:rPr lang="fr-FR" dirty="0"/>
+              <a:t>Nous allons donc commencer par l’analyse de l’état du site avec Google </a:t>
+            </a:r>
+            <a:r>
+              <a:rPr lang="fr-FR" dirty="0" err="1"/>
+              <a:t>Measure</a:t>
+            </a:r>
+            <a:r>
+              <a:rPr lang="fr-FR" dirty="0"/>
+              <a:t>, ensuite par l’audit, l’amélioration de </a:t>
+            </a:r>
+            <a:r>
+              <a:rPr lang="fr-FR" dirty="0" err="1"/>
+              <a:t>seo</a:t>
+            </a:r>
+            <a:r>
+              <a:rPr lang="fr-FR" dirty="0"/>
+              <a:t>, la comparaison des résultats et la conclusion</a:t>
+            </a:r>
+            <a:endParaRPr dirty="0"/>
           </a:p>
         </p:txBody>
       </p:sp>
@@ -2351,7 +2451,11 @@
               <a:buSzPts val="1100"/>
               <a:buNone/>
             </a:pPr>
-            <a:endParaRPr/>
+            <a:r>
+              <a:rPr lang="fr-FR" dirty="0"/>
+              <a:t>Correction attribut des images</a:t>
+            </a:r>
+            <a:endParaRPr dirty="0"/>
           </a:p>
         </p:txBody>
       </p:sp>
@@ -2465,6 +2569,39 @@
           </a:bodyPr>
           <a:lstStyle/>
           <a:p>
+            <a:pPr marL="0" marR="0" lvl="0" indent="0" algn="l" defTabSz="914400" rtl="0" eaLnBrk="1" fontAlgn="auto" latinLnBrk="0" hangingPunct="1">
+              <a:lnSpc>
+                <a:spcPct val="100000"/>
+              </a:lnSpc>
+              <a:spcBef>
+                <a:spcPts val="0"/>
+              </a:spcBef>
+              <a:spcAft>
+                <a:spcPts val="0"/>
+              </a:spcAft>
+              <a:buClr>
+                <a:srgbClr val="000000"/>
+              </a:buClr>
+              <a:buSzPts val="1100"/>
+              <a:buFont typeface="Arial"/>
+              <a:buNone/>
+              <a:tabLst/>
+              <a:defRPr/>
+            </a:pPr>
+            <a:r>
+              <a:rPr lang="fr-FR" dirty="0"/>
+              <a:t>Voici l’analyse du site web avec Google </a:t>
+            </a:r>
+            <a:r>
+              <a:rPr lang="fr-FR" dirty="0" err="1"/>
+              <a:t>Measure</a:t>
+            </a:r>
+            <a:r>
+              <a:rPr lang="fr-FR" dirty="0"/>
+              <a:t> après l’amélioration, vous pouvez observez une grande différence de chargement de la page</a:t>
+            </a:r>
+          </a:p>
+          <a:p>
             <a:pPr marL="0" lvl="0" indent="0" algn="l" rtl="0">
               <a:lnSpc>
                 <a:spcPct val="100000"/>
@@ -2478,7 +2615,7 @@
               <a:buSzPts val="1100"/>
               <a:buNone/>
             </a:pPr>
-            <a:endParaRPr/>
+            <a:endParaRPr dirty="0"/>
           </a:p>
         </p:txBody>
       </p:sp>
@@ -2600,7 +2737,11 @@
               <a:buSzPts val="1100"/>
               <a:buNone/>
             </a:pPr>
-            <a:endParaRPr/>
+            <a:r>
+              <a:rPr lang="fr-FR" dirty="0"/>
+              <a:t>74 performance et 81 accessibilité</a:t>
+            </a:r>
+            <a:endParaRPr dirty="0"/>
           </a:p>
         </p:txBody>
       </p:sp>
@@ -2722,7 +2863,19 @@
               <a:buSzPts val="1100"/>
               <a:buNone/>
             </a:pPr>
-            <a:endParaRPr/>
+            <a:r>
+              <a:rPr lang="fr-FR" dirty="0"/>
+              <a:t>98 </a:t>
+            </a:r>
+            <a:r>
+              <a:rPr lang="fr-FR" dirty="0" err="1"/>
+              <a:t>perfomance</a:t>
+            </a:r>
+            <a:r>
+              <a:rPr lang="fr-FR" dirty="0"/>
+              <a:t> et 100 en accessibilité</a:t>
+            </a:r>
+            <a:endParaRPr dirty="0"/>
           </a:p>
         </p:txBody>
       </p:sp>
@@ -2831,6 +2984,58 @@
           </a:bodyPr>
           <a:lstStyle/>
           <a:p>
+            <a:pPr marL="0" marR="0" lvl="0" indent="0" algn="l" defTabSz="914400" rtl="0" eaLnBrk="1" fontAlgn="auto" latinLnBrk="0" hangingPunct="1">
+              <a:lnSpc>
+                <a:spcPct val="100000"/>
+              </a:lnSpc>
+              <a:spcBef>
+                <a:spcPts val="0"/>
+              </a:spcBef>
+              <a:spcAft>
+                <a:spcPts val="0"/>
+              </a:spcAft>
+              <a:buClr>
+                <a:srgbClr val="000000"/>
+              </a:buClr>
+              <a:buSzPts val="1100"/>
+              <a:buFont typeface="Arial"/>
+              <a:buNone/>
+              <a:tabLst/>
+              <a:defRPr/>
+            </a:pPr>
+            <a:r>
+              <a:rPr lang="fr-FR" dirty="0"/>
+              <a:t>66 performance et 84 accessibilité et 78 </a:t>
+            </a:r>
+            <a:r>
+              <a:rPr lang="fr-FR" dirty="0" err="1"/>
+              <a:t>seo</a:t>
+            </a:r>
+            <a:endParaRPr lang="fr-FR" dirty="0"/>
+          </a:p>
+          <a:p>
+            <a:pPr marL="0" marR="0" lvl="0" indent="0" algn="l" defTabSz="914400" rtl="0" eaLnBrk="1" fontAlgn="auto" latinLnBrk="0" hangingPunct="1">
+              <a:lnSpc>
+                <a:spcPct val="100000"/>
+              </a:lnSpc>
+              <a:spcBef>
+                <a:spcPts val="0"/>
+              </a:spcBef>
+              <a:spcAft>
+                <a:spcPts val="0"/>
+              </a:spcAft>
+              <a:buClr>
+                <a:srgbClr val="000000"/>
+              </a:buClr>
+              <a:buSzPts val="1100"/>
+              <a:buFont typeface="Arial"/>
+              <a:buNone/>
+              <a:tabLst/>
+              <a:defRPr/>
+            </a:pPr>
+            <a:endParaRPr lang="fr-FR" dirty="0"/>
+          </a:p>
+          <a:p>
             <a:pPr marL="0" lvl="0" indent="0" algn="l" rtl="0">
               <a:lnSpc>
                 <a:spcPct val="100000"/>
@@ -2844,7 +3049,7 @@
               <a:buSzPts val="1100"/>
               <a:buNone/>
             </a:pPr>
-            <a:endParaRPr/>
+            <a:endParaRPr dirty="0"/>
           </a:p>
         </p:txBody>
       </p:sp>
@@ -2953,6 +3158,36 @@
           </a:bodyPr>
           <a:lstStyle/>
           <a:p>
+            <a:pPr marL="0" marR="0" lvl="0" indent="0" algn="l" defTabSz="914400" rtl="0" eaLnBrk="1" fontAlgn="auto" latinLnBrk="0" hangingPunct="1">
+              <a:lnSpc>
+                <a:spcPct val="100000"/>
+              </a:lnSpc>
+              <a:spcBef>
+                <a:spcPts val="0"/>
+              </a:spcBef>
+              <a:spcAft>
+                <a:spcPts val="0"/>
+              </a:spcAft>
+              <a:buClr>
+                <a:srgbClr val="000000"/>
+              </a:buClr>
+              <a:buSzPts val="1100"/>
+              <a:buFont typeface="Arial"/>
+              <a:buNone/>
+              <a:tabLst/>
+              <a:defRPr/>
+            </a:pPr>
+            <a:r>
+              <a:rPr lang="fr-FR" dirty="0"/>
+              <a:t>96 performance et 100 accessibilité et 99 </a:t>
+            </a:r>
+            <a:r>
+              <a:rPr lang="fr-FR" dirty="0" err="1"/>
+              <a:t>seo</a:t>
+            </a:r>
+            <a:endParaRPr lang="fr-FR" dirty="0"/>
+          </a:p>
+          <a:p>
             <a:pPr marL="0" lvl="0" indent="0" algn="l" rtl="0">
               <a:lnSpc>
                 <a:spcPct val="100000"/>
@@ -2966,7 +3201,7 @@
               <a:buSzPts val="1100"/>
               <a:buNone/>
             </a:pPr>
-            <a:endParaRPr/>
+            <a:endParaRPr dirty="0"/>
           </a:p>
         </p:txBody>
       </p:sp>
@@ -3210,7 +3445,11 @@
               <a:buSzPts val="1100"/>
               <a:buNone/>
             </a:pPr>
-            <a:endParaRPr/>
+            <a:r>
+              <a:rPr lang="fr-FR" dirty="0"/>
+              <a:t>Avez-vous des questions ?</a:t>
+            </a:r>
+            <a:endParaRPr dirty="0"/>
           </a:p>
         </p:txBody>
       </p:sp>
@@ -3332,7 +3571,19 @@
               <a:buSzPts val="1100"/>
               <a:buNone/>
             </a:pPr>
-            <a:endParaRPr/>
+            <a:r>
+              <a:rPr lang="fr-FR" dirty="0"/>
+              <a:t>Voici l’analyse du site web avec Google </a:t>
+            </a:r>
+            <a:r>
+              <a:rPr lang="fr-FR" dirty="0" err="1"/>
+              <a:t>Measure</a:t>
+            </a:r>
+            <a:r>
+              <a:rPr lang="fr-FR" dirty="0"/>
+              <a:t> avant l’amélioration du SEO, vous pouvez observez un problème avec les images et un chargement de la page long</a:t>
+            </a:r>
+            <a:endParaRPr dirty="0"/>
           </a:p>
         </p:txBody>
       </p:sp>
@@ -3454,6 +3705,10 @@
               <a:buSzPts val="1100"/>
               <a:buNone/>
             </a:pPr>
+            <a:r>
+              <a:rPr lang="fr-FR" dirty="0"/>
+              <a:t>Voici l’audit du site web à améliorer, vous pouvez observer des problèmes de performance, d’accessibilité et de SEO</a:t>
+            </a:r>
             <a:endParaRPr dirty="0"/>
           </a:p>
         </p:txBody>
@@ -3576,7 +3831,11 @@
               <a:buSzPts val="1100"/>
               <a:buNone/>
             </a:pPr>
-            <a:endParaRPr/>
+            <a:r>
+              <a:rPr lang="fr-FR" dirty="0"/>
+              <a:t>Voici le lien du code source corrigé ainsi que le lien du site en ligne corrigé</a:t>
+            </a:r>
+            <a:endParaRPr dirty="0"/>
           </a:p>
         </p:txBody>
       </p:sp>
@@ -3698,7 +3957,11 @@
               <a:buSzPts val="1100"/>
               <a:buNone/>
             </a:pPr>
-            <a:endParaRPr/>
+            <a:r>
+              <a:rPr lang="fr-FR" dirty="0"/>
+              <a:t>Correction format d’image 25% plus légère</a:t>
+            </a:r>
+            <a:endParaRPr dirty="0"/>
           </a:p>
         </p:txBody>
       </p:sp>
@@ -3825,7 +4088,11 @@
               <a:buSzPts val="1100"/>
               <a:buNone/>
             </a:pPr>
-            <a:endParaRPr/>
+            <a:r>
+              <a:rPr lang="fr-FR" dirty="0"/>
+              <a:t>Correction tailles images </a:t>
+            </a:r>
+            <a:endParaRPr dirty="0"/>
           </a:p>
         </p:txBody>
       </p:sp>
@@ -3952,7 +4219,11 @@
               <a:buSzPts val="1100"/>
               <a:buNone/>
             </a:pPr>
-            <a:endParaRPr/>
+            <a:r>
+              <a:rPr lang="fr-FR" dirty="0"/>
+              <a:t>Correction utilisation images</a:t>
+            </a:r>
+            <a:endParaRPr dirty="0"/>
           </a:p>
         </p:txBody>
       </p:sp>
@@ -4079,7 +4350,27 @@
               <a:buSzPts val="1100"/>
               <a:buNone/>
             </a:pPr>
-            <a:endParaRPr/>
+            <a:r>
+              <a:rPr lang="fr-FR" dirty="0"/>
+              <a:t>Correction </a:t>
+            </a:r>
+            <a:r>
+              <a:rPr lang="fr-FR" dirty="0" err="1"/>
+              <a:t>css</a:t>
+            </a:r>
+            <a:r>
+              <a:rPr lang="fr-FR" dirty="0"/>
+              <a:t> et </a:t>
+            </a:r>
+            <a:r>
+              <a:rPr lang="fr-FR" dirty="0" err="1"/>
+              <a:t>js</a:t>
+            </a:r>
+            <a:r>
+              <a:rPr lang="fr-FR" dirty="0"/>
+              <a:t> non minifié tel que le site minifier.org</a:t>
+            </a:r>
+            <a:endParaRPr dirty="0"/>
           </a:p>
         </p:txBody>
       </p:sp>
@@ -4252,7 +4543,7 @@
             <a:fld id="{8E36636D-D922-432D-A958-524484B5923D}" type="datetimeFigureOut">
               <a:rPr lang="en-US" smtClean="0"/>
               <a:pPr/>
-              <a:t>1/23/2022</a:t>
+              <a:t>1/31/2022</a:t>
             </a:fld>
             <a:endParaRPr lang="en-US" dirty="0"/>
           </a:p>
@@ -4425,7 +4716,7 @@
             <a:fld id="{8E36636D-D922-432D-A958-524484B5923D}" type="datetimeFigureOut">
               <a:rPr lang="en-US" smtClean="0"/>
               <a:pPr/>
-              <a:t>1/23/2022</a:t>
+              <a:t>1/31/2022</a:t>
             </a:fld>
             <a:endParaRPr lang="en-US" dirty="0"/>
           </a:p>
@@ -4608,7 +4899,7 @@
             <a:fld id="{8E36636D-D922-432D-A958-524484B5923D}" type="datetimeFigureOut">
               <a:rPr lang="en-US" smtClean="0"/>
               <a:pPr/>
-              <a:t>1/23/2022</a:t>
+              <a:t>1/31/2022</a:t>
             </a:fld>
             <a:endParaRPr lang="en-US" dirty="0"/>
           </a:p>
@@ -9125,7 +9416,7 @@
             <a:fld id="{8E36636D-D922-432D-A958-524484B5923D}" type="datetimeFigureOut">
               <a:rPr lang="en-US" smtClean="0"/>
               <a:pPr/>
-              <a:t>1/23/2022</a:t>
+              <a:t>1/31/2022</a:t>
             </a:fld>
             <a:endParaRPr lang="en-US" dirty="0"/>
           </a:p>
@@ -9388,7 +9679,7 @@
             <a:fld id="{8E36636D-D922-432D-A958-524484B5923D}" type="datetimeFigureOut">
               <a:rPr lang="en-US" smtClean="0"/>
               <a:pPr/>
-              <a:t>1/23/2022</a:t>
+              <a:t>1/31/2022</a:t>
             </a:fld>
             <a:endParaRPr lang="en-US" dirty="0"/>
           </a:p>
@@ -9623,7 +9914,7 @@
             <a:fld id="{8E36636D-D922-432D-A958-524484B5923D}" type="datetimeFigureOut">
               <a:rPr lang="en-US" smtClean="0"/>
               <a:pPr/>
-              <a:t>1/23/2022</a:t>
+              <a:t>1/31/2022</a:t>
             </a:fld>
             <a:endParaRPr lang="en-US" dirty="0"/>
           </a:p>
@@ -9981,7 +10272,7 @@
             <a:fld id="{8E36636D-D922-432D-A958-524484B5923D}" type="datetimeFigureOut">
               <a:rPr lang="en-US" smtClean="0"/>
               <a:pPr/>
-              <a:t>1/23/2022</a:t>
+              <a:t>1/31/2022</a:t>
             </a:fld>
             <a:endParaRPr lang="en-US" dirty="0"/>
           </a:p>
@@ -10125,7 +10416,7 @@
             <a:fld id="{8E36636D-D922-432D-A958-524484B5923D}" type="datetimeFigureOut">
               <a:rPr lang="en-US" smtClean="0"/>
               <a:pPr/>
-              <a:t>1/23/2022</a:t>
+              <a:t>1/31/2022</a:t>
             </a:fld>
             <a:endParaRPr lang="en-US" dirty="0"/>
           </a:p>
@@ -10223,7 +10514,7 @@
             <a:fld id="{8E36636D-D922-432D-A958-524484B5923D}" type="datetimeFigureOut">
               <a:rPr lang="en-US" smtClean="0"/>
               <a:pPr/>
-              <a:t>1/23/2022</a:t>
+              <a:t>1/31/2022</a:t>
             </a:fld>
             <a:endParaRPr lang="en-US" dirty="0"/>
           </a:p>
@@ -10583,7 +10874,7 @@
             <a:fld id="{8E36636D-D922-432D-A958-524484B5923D}" type="datetimeFigureOut">
               <a:rPr lang="en-US" smtClean="0"/>
               <a:pPr/>
-              <a:t>1/23/2022</a:t>
+              <a:t>1/31/2022</a:t>
             </a:fld>
             <a:endParaRPr lang="en-US" dirty="0"/>
           </a:p>
@@ -10904,7 +11195,7 @@
             <a:fld id="{8E36636D-D922-432D-A958-524484B5923D}" type="datetimeFigureOut">
               <a:rPr lang="en-US" smtClean="0"/>
               <a:pPr/>
-              <a:t>1/23/2022</a:t>
+              <a:t>1/31/2022</a:t>
             </a:fld>
             <a:endParaRPr lang="en-US" dirty="0"/>
           </a:p>
@@ -11152,7 +11443,7 @@
             <a:fld id="{8E36636D-D922-432D-A958-524484B5923D}" type="datetimeFigureOut">
               <a:rPr lang="en-US" smtClean="0"/>
               <a:pPr/>
-              <a:t>1/23/2022</a:t>
+              <a:t>1/31/2022</a:t>
             </a:fld>
             <a:endParaRPr lang="en-US" dirty="0"/>
           </a:p>
@@ -18026,7 +18317,7 @@
                 <a:cs typeface="Didact Gothic"/>
                 <a:sym typeface="Didact Gothic"/>
               </a:rPr>
-              <a:t>ANALYSE DU SITE OPTIMISÉ AVEC LIGHTOUSE</a:t>
+              <a:t>ANALYSE DU SITE NON-OPTIMISÉ AVEC LIGHTOUSE</a:t>
             </a:r>
             <a:endParaRPr lang="fr-FR" sz="1400" dirty="0"/>
           </a:p>
@@ -18439,7 +18730,7 @@
                 <a:cs typeface="Didact Gothic"/>
                 <a:sym typeface="Didact Gothic"/>
               </a:rPr>
-              <a:t>ANALYSE DU SITE OPTIMISÉ AVEC LIGHTOUSE</a:t>
+              <a:t>ANALYSE DU SITE NON-OPTIMISÉ AVEC LIGHTOUSE</a:t>
             </a:r>
             <a:endParaRPr lang="fr-FR" sz="1400" dirty="0"/>
           </a:p>
@@ -18839,14 +19130,24 @@
               <a:t>L’AMÉLIORATION DU SEO APPORTE UNE AMÉLIORATION DE PERFORMANCE, D ’ACCESSIBILITÉ ET UN MEILLEUR </a:t>
             </a:r>
             <a:r>
-              <a:rPr lang="fr-FR" sz="1600" b="0" i="0" u="none" strike="noStrike" dirty="0">
+              <a:rPr lang="fr-FR" b="0" i="0" u="none" strike="noStrike" dirty="0">
                 <a:solidFill>
                   <a:srgbClr val="383838"/>
                 </a:solidFill>
                 <a:effectLst/>
                 <a:latin typeface="Didact Gothic" panose="020B0604020202020204" charset="0"/>
               </a:rPr>
-              <a:t>RÉFÉRENCEMENT.</a:t>
+              <a:t>RÉFÉRENCEMENT</a:t>
+            </a:r>
+            <a:r>
+              <a:rPr lang="fr-FR" sz="1600" b="0" i="0" u="none" strike="noStrike" dirty="0">
+                <a:solidFill>
+                  <a:srgbClr val="383838"/>
+                </a:solidFill>
+                <a:effectLst/>
+                <a:latin typeface="Didact Gothic" panose="020B0604020202020204" charset="0"/>
+              </a:rPr>
+              <a:t>.</a:t>
             </a:r>
             <a:endParaRPr lang="fr-FR" sz="1600" b="0" dirty="0">
               <a:effectLst/>
